--- a/Lecture1.pptx
+++ b/Lecture1.pptx
@@ -8,6 +8,8 @@
     <p:sldId id="256" r:id="rId2"/>
     <p:sldId id="257" r:id="rId3"/>
     <p:sldId id="258" r:id="rId4"/>
+    <p:sldId id="259" r:id="rId5"/>
+    <p:sldId id="260" r:id="rId6"/>
   </p:sldIdLst>
   <p:sldSz cx="12192000" cy="6858000"/>
   <p:notesSz cx="6858000" cy="9144000"/>
@@ -261,7 +263,7 @@
           <a:p>
             <a:fld id="{BA01F5A2-0569-417D-AB3C-084DB2083AF5}" type="datetimeFigureOut">
               <a:rPr lang="en-US" smtClean="0"/>
-              <a:t>3/9/2021</a:t>
+              <a:t>3/17/2021</a:t>
             </a:fld>
             <a:endParaRPr lang="en-US"/>
           </a:p>
@@ -459,7 +461,7 @@
           <a:p>
             <a:fld id="{BA01F5A2-0569-417D-AB3C-084DB2083AF5}" type="datetimeFigureOut">
               <a:rPr lang="en-US" smtClean="0"/>
-              <a:t>3/9/2021</a:t>
+              <a:t>3/17/2021</a:t>
             </a:fld>
             <a:endParaRPr lang="en-US"/>
           </a:p>
@@ -667,7 +669,7 @@
           <a:p>
             <a:fld id="{BA01F5A2-0569-417D-AB3C-084DB2083AF5}" type="datetimeFigureOut">
               <a:rPr lang="en-US" smtClean="0"/>
-              <a:t>3/9/2021</a:t>
+              <a:t>3/17/2021</a:t>
             </a:fld>
             <a:endParaRPr lang="en-US"/>
           </a:p>
@@ -865,7 +867,7 @@
           <a:p>
             <a:fld id="{BA01F5A2-0569-417D-AB3C-084DB2083AF5}" type="datetimeFigureOut">
               <a:rPr lang="en-US" smtClean="0"/>
-              <a:t>3/9/2021</a:t>
+              <a:t>3/17/2021</a:t>
             </a:fld>
             <a:endParaRPr lang="en-US"/>
           </a:p>
@@ -1140,7 +1142,7 @@
           <a:p>
             <a:fld id="{BA01F5A2-0569-417D-AB3C-084DB2083AF5}" type="datetimeFigureOut">
               <a:rPr lang="en-US" smtClean="0"/>
-              <a:t>3/9/2021</a:t>
+              <a:t>3/17/2021</a:t>
             </a:fld>
             <a:endParaRPr lang="en-US"/>
           </a:p>
@@ -1405,7 +1407,7 @@
           <a:p>
             <a:fld id="{BA01F5A2-0569-417D-AB3C-084DB2083AF5}" type="datetimeFigureOut">
               <a:rPr lang="en-US" smtClean="0"/>
-              <a:t>3/9/2021</a:t>
+              <a:t>3/17/2021</a:t>
             </a:fld>
             <a:endParaRPr lang="en-US"/>
           </a:p>
@@ -1817,7 +1819,7 @@
           <a:p>
             <a:fld id="{BA01F5A2-0569-417D-AB3C-084DB2083AF5}" type="datetimeFigureOut">
               <a:rPr lang="en-US" smtClean="0"/>
-              <a:t>3/9/2021</a:t>
+              <a:t>3/17/2021</a:t>
             </a:fld>
             <a:endParaRPr lang="en-US"/>
           </a:p>
@@ -1958,7 +1960,7 @@
           <a:p>
             <a:fld id="{BA01F5A2-0569-417D-AB3C-084DB2083AF5}" type="datetimeFigureOut">
               <a:rPr lang="en-US" smtClean="0"/>
-              <a:t>3/9/2021</a:t>
+              <a:t>3/17/2021</a:t>
             </a:fld>
             <a:endParaRPr lang="en-US"/>
           </a:p>
@@ -2071,7 +2073,7 @@
           <a:p>
             <a:fld id="{BA01F5A2-0569-417D-AB3C-084DB2083AF5}" type="datetimeFigureOut">
               <a:rPr lang="en-US" smtClean="0"/>
-              <a:t>3/9/2021</a:t>
+              <a:t>3/17/2021</a:t>
             </a:fld>
             <a:endParaRPr lang="en-US"/>
           </a:p>
@@ -2382,7 +2384,7 @@
           <a:p>
             <a:fld id="{BA01F5A2-0569-417D-AB3C-084DB2083AF5}" type="datetimeFigureOut">
               <a:rPr lang="en-US" smtClean="0"/>
-              <a:t>3/9/2021</a:t>
+              <a:t>3/17/2021</a:t>
             </a:fld>
             <a:endParaRPr lang="en-US"/>
           </a:p>
@@ -2670,7 +2672,7 @@
           <a:p>
             <a:fld id="{BA01F5A2-0569-417D-AB3C-084DB2083AF5}" type="datetimeFigureOut">
               <a:rPr lang="en-US" smtClean="0"/>
-              <a:t>3/9/2021</a:t>
+              <a:t>3/17/2021</a:t>
             </a:fld>
             <a:endParaRPr lang="en-US"/>
           </a:p>
@@ -2911,7 +2913,7 @@
           <a:p>
             <a:fld id="{BA01F5A2-0569-417D-AB3C-084DB2083AF5}" type="datetimeFigureOut">
               <a:rPr lang="en-US" smtClean="0"/>
-              <a:t>3/9/2021</a:t>
+              <a:t>3/17/2021</a:t>
             </a:fld>
             <a:endParaRPr lang="en-US"/>
           </a:p>
@@ -3330,10 +3332,10 @@
       </p:grpSpPr>
       <p:sp>
         <p:nvSpPr>
-          <p:cNvPr id="4" name="Rectangle 3">
-            <a:extLst>
-              <a:ext uri="{FF2B5EF4-FFF2-40B4-BE49-F238E27FC236}">
-                <a16:creationId xmlns:a16="http://schemas.microsoft.com/office/drawing/2014/main" id="{23BFFCC8-4F42-4977-A4A0-B56A54F0B5E7}"/>
+          <p:cNvPr id="25" name="Rectangle 24">
+            <a:extLst>
+              <a:ext uri="{FF2B5EF4-FFF2-40B4-BE49-F238E27FC236}">
+                <a16:creationId xmlns:a16="http://schemas.microsoft.com/office/drawing/2014/main" id="{7F69666E-6D6D-4AC2-A78D-53880D7A7411}"/>
               </a:ext>
             </a:extLst>
           </p:cNvPr>
@@ -3342,8 +3344,654 @@
         </p:nvSpPr>
         <p:spPr>
           <a:xfrm>
-            <a:off x="2888963" y="510911"/>
-            <a:ext cx="2934777" cy="1561985"/>
+            <a:off x="3758268" y="302004"/>
+            <a:ext cx="8365992" cy="6555996"/>
+          </a:xfrm>
+          <a:prstGeom prst="rect">
+            <a:avLst/>
+          </a:prstGeom>
+        </p:spPr>
+        <p:style>
+          <a:lnRef idx="2">
+            <a:schemeClr val="accent3">
+              <a:shade val="50000"/>
+            </a:schemeClr>
+          </a:lnRef>
+          <a:fillRef idx="1">
+            <a:schemeClr val="accent3"/>
+          </a:fillRef>
+          <a:effectRef idx="0">
+            <a:schemeClr val="accent3"/>
+          </a:effectRef>
+          <a:fontRef idx="minor">
+            <a:schemeClr val="lt1"/>
+          </a:fontRef>
+        </p:style>
+        <p:txBody>
+          <a:bodyPr rtlCol="0" anchor="t"/>
+          <a:lstStyle/>
+          <a:p>
+            <a:pPr algn="ctr"/>
+            <a:r>
+              <a:rPr lang="en-US" dirty="0"/>
+              <a:t>Lan (Local Area Network)</a:t>
+            </a:r>
+          </a:p>
+        </p:txBody>
+      </p:sp>
+      <p:sp>
+        <p:nvSpPr>
+          <p:cNvPr id="6" name="TextBox 5">
+            <a:extLst>
+              <a:ext uri="{FF2B5EF4-FFF2-40B4-BE49-F238E27FC236}">
+                <a16:creationId xmlns:a16="http://schemas.microsoft.com/office/drawing/2014/main" id="{BD50B6B3-396E-4A3E-830A-DA7A3DCCD574}"/>
+              </a:ext>
+            </a:extLst>
+          </p:cNvPr>
+          <p:cNvSpPr txBox="1"/>
+          <p:nvPr/>
+        </p:nvSpPr>
+        <p:spPr>
+          <a:xfrm>
+            <a:off x="116967" y="470150"/>
+            <a:ext cx="5257101" cy="6186309"/>
+          </a:xfrm>
+          <a:prstGeom prst="rect">
+            <a:avLst/>
+          </a:prstGeom>
+          <a:noFill/>
+        </p:spPr>
+        <p:txBody>
+          <a:bodyPr wrap="square" rtlCol="0">
+            <a:spAutoFit/>
+          </a:bodyPr>
+          <a:lstStyle/>
+          <a:p>
+            <a:r>
+              <a:rPr lang="en-US" dirty="0"/>
+              <a:t>Hardware:</a:t>
+            </a:r>
+          </a:p>
+          <a:p>
+            <a:r>
+              <a:rPr lang="en-US" dirty="0"/>
+              <a:t>1- Ethernet</a:t>
+            </a:r>
+          </a:p>
+          <a:p>
+            <a:r>
+              <a:rPr lang="en-US" dirty="0"/>
+              <a:t>2- Network Cable (RJ45)</a:t>
+            </a:r>
+          </a:p>
+          <a:p>
+            <a:r>
+              <a:rPr lang="en-US" dirty="0"/>
+              <a:t>3- Hub/Switch </a:t>
+            </a:r>
+          </a:p>
+          <a:p>
+            <a:r>
+              <a:rPr lang="en-US" dirty="0"/>
+              <a:t>4- Router ()</a:t>
+            </a:r>
+          </a:p>
+          <a:p>
+            <a:endParaRPr lang="en-US" dirty="0"/>
+          </a:p>
+          <a:p>
+            <a:r>
+              <a:rPr lang="en-US" dirty="0"/>
+              <a:t>Software:</a:t>
+            </a:r>
+          </a:p>
+          <a:p>
+            <a:r>
+              <a:rPr lang="en-US" dirty="0"/>
+              <a:t>1- Protocol (TCP/IP)</a:t>
+            </a:r>
+          </a:p>
+          <a:p>
+            <a:r>
+              <a:rPr lang="en-US" dirty="0"/>
+              <a:t>2- Each node should have unique IP address</a:t>
+            </a:r>
+          </a:p>
+          <a:p>
+            <a:r>
+              <a:rPr lang="en-US" dirty="0"/>
+              <a:t>(IP v4, IP v6)</a:t>
+            </a:r>
+          </a:p>
+          <a:p>
+            <a:endParaRPr lang="en-US" dirty="0"/>
+          </a:p>
+          <a:p>
+            <a:r>
+              <a:rPr lang="en-US" dirty="0"/>
+              <a:t>IP: Static / Dynamic (by DHCP server)</a:t>
+            </a:r>
+          </a:p>
+          <a:p>
+            <a:endParaRPr lang="en-US" dirty="0"/>
+          </a:p>
+          <a:p>
+            <a:r>
+              <a:rPr lang="en-US" dirty="0"/>
+              <a:t>Router:</a:t>
+            </a:r>
+          </a:p>
+          <a:p>
+            <a:r>
+              <a:rPr lang="en-US" dirty="0"/>
+              <a:t>1- Wireless-support</a:t>
+            </a:r>
+          </a:p>
+          <a:p>
+            <a:r>
+              <a:rPr lang="en-US" dirty="0"/>
+              <a:t>2- Wan (Internet)</a:t>
+            </a:r>
+          </a:p>
+          <a:p>
+            <a:r>
+              <a:rPr lang="en-US" dirty="0"/>
+              <a:t>3- DHCP Server – Assign Dynamic IP</a:t>
+            </a:r>
+          </a:p>
+          <a:p>
+            <a:r>
+              <a:rPr lang="en-US" dirty="0"/>
+              <a:t>4- DNS Server (domain-name service), which</a:t>
+            </a:r>
+          </a:p>
+          <a:p>
+            <a:r>
+              <a:rPr lang="en-US" dirty="0"/>
+              <a:t>Provides DNS name service</a:t>
+            </a:r>
+          </a:p>
+          <a:p>
+            <a:endParaRPr lang="en-US" dirty="0"/>
+          </a:p>
+          <a:p>
+            <a:endParaRPr lang="en-US" dirty="0"/>
+          </a:p>
+          <a:p>
+            <a:endParaRPr lang="en-US" dirty="0"/>
+          </a:p>
+        </p:txBody>
+      </p:sp>
+      <p:grpSp>
+        <p:nvGrpSpPr>
+          <p:cNvPr id="14" name="Group 13">
+            <a:extLst>
+              <a:ext uri="{FF2B5EF4-FFF2-40B4-BE49-F238E27FC236}">
+                <a16:creationId xmlns:a16="http://schemas.microsoft.com/office/drawing/2014/main" id="{9D6E23CA-64A3-4429-BCE5-28A0E49F0429}"/>
+              </a:ext>
+            </a:extLst>
+          </p:cNvPr>
+          <p:cNvGrpSpPr/>
+          <p:nvPr/>
+        </p:nvGrpSpPr>
+        <p:grpSpPr>
+          <a:xfrm>
+            <a:off x="3835032" y="723917"/>
+            <a:ext cx="3031025" cy="1561985"/>
+            <a:chOff x="2888963" y="510911"/>
+            <a:chExt cx="3031025" cy="1561985"/>
+          </a:xfrm>
+        </p:grpSpPr>
+        <p:sp>
+          <p:nvSpPr>
+            <p:cNvPr id="4" name="Rectangle 3">
+              <a:extLst>
+                <a:ext uri="{FF2B5EF4-FFF2-40B4-BE49-F238E27FC236}">
+                  <a16:creationId xmlns:a16="http://schemas.microsoft.com/office/drawing/2014/main" id="{23BFFCC8-4F42-4977-A4A0-B56A54F0B5E7}"/>
+                </a:ext>
+              </a:extLst>
+            </p:cNvPr>
+            <p:cNvSpPr/>
+            <p:nvPr/>
+          </p:nvSpPr>
+          <p:spPr>
+            <a:xfrm>
+              <a:off x="2888963" y="510911"/>
+              <a:ext cx="2934777" cy="1561985"/>
+            </a:xfrm>
+            <a:prstGeom prst="rect">
+              <a:avLst/>
+            </a:prstGeom>
+          </p:spPr>
+          <p:style>
+            <a:lnRef idx="2">
+              <a:schemeClr val="accent1">
+                <a:shade val="50000"/>
+              </a:schemeClr>
+            </a:lnRef>
+            <a:fillRef idx="1">
+              <a:schemeClr val="accent1"/>
+            </a:fillRef>
+            <a:effectRef idx="0">
+              <a:schemeClr val="accent1"/>
+            </a:effectRef>
+            <a:fontRef idx="minor">
+              <a:schemeClr val="lt1"/>
+            </a:fontRef>
+          </p:style>
+          <p:txBody>
+            <a:bodyPr rtlCol="0" anchor="ctr"/>
+            <a:lstStyle/>
+            <a:p>
+              <a:pPr algn="ctr"/>
+              <a:r>
+                <a:rPr lang="en-US" dirty="0"/>
+                <a:t>PC</a:t>
+              </a:r>
+            </a:p>
+            <a:p>
+              <a:pPr algn="ctr"/>
+              <a:r>
+                <a:rPr lang="en-US" dirty="0"/>
+                <a:t>192.168.1.20</a:t>
+              </a:r>
+            </a:p>
+          </p:txBody>
+        </p:sp>
+        <p:sp>
+          <p:nvSpPr>
+            <p:cNvPr id="7" name="Rectangle 6">
+              <a:extLst>
+                <a:ext uri="{FF2B5EF4-FFF2-40B4-BE49-F238E27FC236}">
+                  <a16:creationId xmlns:a16="http://schemas.microsoft.com/office/drawing/2014/main" id="{E2A9CD37-83A6-43F9-B826-229F42224A10}"/>
+                </a:ext>
+              </a:extLst>
+            </p:cNvPr>
+            <p:cNvSpPr/>
+            <p:nvPr/>
+          </p:nvSpPr>
+          <p:spPr>
+            <a:xfrm>
+              <a:off x="5760597" y="780527"/>
+              <a:ext cx="159391" cy="923330"/>
+            </a:xfrm>
+            <a:prstGeom prst="rect">
+              <a:avLst/>
+            </a:prstGeom>
+          </p:spPr>
+          <p:style>
+            <a:lnRef idx="2">
+              <a:schemeClr val="accent4">
+                <a:shade val="50000"/>
+              </a:schemeClr>
+            </a:lnRef>
+            <a:fillRef idx="1">
+              <a:schemeClr val="accent4"/>
+            </a:fillRef>
+            <a:effectRef idx="0">
+              <a:schemeClr val="accent4"/>
+            </a:effectRef>
+            <a:fontRef idx="minor">
+              <a:schemeClr val="lt1"/>
+            </a:fontRef>
+          </p:style>
+          <p:txBody>
+            <a:bodyPr rtlCol="0" anchor="ctr"/>
+            <a:lstStyle/>
+            <a:p>
+              <a:pPr algn="ctr"/>
+              <a:endParaRPr lang="en-US" dirty="0"/>
+            </a:p>
+          </p:txBody>
+        </p:sp>
+      </p:grpSp>
+      <p:grpSp>
+        <p:nvGrpSpPr>
+          <p:cNvPr id="16" name="Group 15">
+            <a:extLst>
+              <a:ext uri="{FF2B5EF4-FFF2-40B4-BE49-F238E27FC236}">
+                <a16:creationId xmlns:a16="http://schemas.microsoft.com/office/drawing/2014/main" id="{51A34312-E8EA-4484-8A9D-8C880C9AEF8E}"/>
+              </a:ext>
+            </a:extLst>
+          </p:cNvPr>
+          <p:cNvGrpSpPr/>
+          <p:nvPr/>
+        </p:nvGrpSpPr>
+        <p:grpSpPr>
+          <a:xfrm>
+            <a:off x="8937243" y="653271"/>
+            <a:ext cx="2643957" cy="1532873"/>
+            <a:chOff x="8018450" y="319625"/>
+            <a:chExt cx="2643957" cy="1532873"/>
+          </a:xfrm>
+        </p:grpSpPr>
+        <p:sp>
+          <p:nvSpPr>
+            <p:cNvPr id="5" name="Rectangle 4">
+              <a:extLst>
+                <a:ext uri="{FF2B5EF4-FFF2-40B4-BE49-F238E27FC236}">
+                  <a16:creationId xmlns:a16="http://schemas.microsoft.com/office/drawing/2014/main" id="{08E0094F-F4BA-48B6-A0E6-852D4CF3E3F2}"/>
+                </a:ext>
+              </a:extLst>
+            </p:cNvPr>
+            <p:cNvSpPr/>
+            <p:nvPr/>
+          </p:nvSpPr>
+          <p:spPr>
+            <a:xfrm>
+              <a:off x="8149192" y="319625"/>
+              <a:ext cx="2513215" cy="1532873"/>
+            </a:xfrm>
+            <a:prstGeom prst="rect">
+              <a:avLst/>
+            </a:prstGeom>
+          </p:spPr>
+          <p:style>
+            <a:lnRef idx="2">
+              <a:schemeClr val="accent1">
+                <a:shade val="50000"/>
+              </a:schemeClr>
+            </a:lnRef>
+            <a:fillRef idx="1">
+              <a:schemeClr val="accent1"/>
+            </a:fillRef>
+            <a:effectRef idx="0">
+              <a:schemeClr val="accent1"/>
+            </a:effectRef>
+            <a:fontRef idx="minor">
+              <a:schemeClr val="lt1"/>
+            </a:fontRef>
+          </p:style>
+          <p:txBody>
+            <a:bodyPr rtlCol="0" anchor="ctr"/>
+            <a:lstStyle/>
+            <a:p>
+              <a:pPr algn="ctr"/>
+              <a:r>
+                <a:rPr lang="en-US" dirty="0"/>
+                <a:t>PC</a:t>
+              </a:r>
+            </a:p>
+            <a:p>
+              <a:pPr algn="ctr"/>
+              <a:r>
+                <a:rPr lang="en-US" dirty="0"/>
+                <a:t>192.168.1.21</a:t>
+              </a:r>
+            </a:p>
+            <a:p>
+              <a:pPr algn="ctr"/>
+              <a:endParaRPr lang="en-US" dirty="0"/>
+            </a:p>
+          </p:txBody>
+        </p:sp>
+        <p:sp>
+          <p:nvSpPr>
+            <p:cNvPr id="8" name="Rectangle 7">
+              <a:extLst>
+                <a:ext uri="{FF2B5EF4-FFF2-40B4-BE49-F238E27FC236}">
+                  <a16:creationId xmlns:a16="http://schemas.microsoft.com/office/drawing/2014/main" id="{4F678B07-4A71-4FAF-B3D1-A593581EB4AA}"/>
+                </a:ext>
+              </a:extLst>
+            </p:cNvPr>
+            <p:cNvSpPr/>
+            <p:nvPr/>
+          </p:nvSpPr>
+          <p:spPr>
+            <a:xfrm>
+              <a:off x="8018450" y="670504"/>
+              <a:ext cx="159391" cy="923330"/>
+            </a:xfrm>
+            <a:prstGeom prst="rect">
+              <a:avLst/>
+            </a:prstGeom>
+          </p:spPr>
+          <p:style>
+            <a:lnRef idx="2">
+              <a:schemeClr val="accent4">
+                <a:shade val="50000"/>
+              </a:schemeClr>
+            </a:lnRef>
+            <a:fillRef idx="1">
+              <a:schemeClr val="accent4"/>
+            </a:fillRef>
+            <a:effectRef idx="0">
+              <a:schemeClr val="accent4"/>
+            </a:effectRef>
+            <a:fontRef idx="minor">
+              <a:schemeClr val="lt1"/>
+            </a:fontRef>
+          </p:style>
+          <p:txBody>
+            <a:bodyPr rtlCol="0" anchor="ctr"/>
+            <a:lstStyle/>
+            <a:p>
+              <a:pPr algn="ctr"/>
+              <a:endParaRPr lang="en-US" dirty="0"/>
+            </a:p>
+          </p:txBody>
+        </p:sp>
+      </p:grpSp>
+      <p:grpSp>
+        <p:nvGrpSpPr>
+          <p:cNvPr id="13" name="Group 12">
+            <a:extLst>
+              <a:ext uri="{FF2B5EF4-FFF2-40B4-BE49-F238E27FC236}">
+                <a16:creationId xmlns:a16="http://schemas.microsoft.com/office/drawing/2014/main" id="{A1C4F91C-20D8-4527-8B04-C2BD40B01FBC}"/>
+              </a:ext>
+            </a:extLst>
+          </p:cNvPr>
+          <p:cNvGrpSpPr/>
+          <p:nvPr/>
+        </p:nvGrpSpPr>
+        <p:grpSpPr>
+          <a:xfrm>
+            <a:off x="3883157" y="3106743"/>
+            <a:ext cx="2934777" cy="1641681"/>
+            <a:chOff x="4547517" y="3619849"/>
+            <a:chExt cx="2934777" cy="1641681"/>
+          </a:xfrm>
+        </p:grpSpPr>
+        <p:sp>
+          <p:nvSpPr>
+            <p:cNvPr id="11" name="Rectangle 10">
+              <a:extLst>
+                <a:ext uri="{FF2B5EF4-FFF2-40B4-BE49-F238E27FC236}">
+                  <a16:creationId xmlns:a16="http://schemas.microsoft.com/office/drawing/2014/main" id="{FF55E5DC-CADB-4EB8-80FB-5DFA0920CE0D}"/>
+                </a:ext>
+              </a:extLst>
+            </p:cNvPr>
+            <p:cNvSpPr/>
+            <p:nvPr/>
+          </p:nvSpPr>
+          <p:spPr>
+            <a:xfrm>
+              <a:off x="4547517" y="3699546"/>
+              <a:ext cx="2934777" cy="1561984"/>
+            </a:xfrm>
+            <a:prstGeom prst="rect">
+              <a:avLst/>
+            </a:prstGeom>
+          </p:spPr>
+          <p:style>
+            <a:lnRef idx="2">
+              <a:schemeClr val="accent1">
+                <a:shade val="50000"/>
+              </a:schemeClr>
+            </a:lnRef>
+            <a:fillRef idx="1">
+              <a:schemeClr val="accent1"/>
+            </a:fillRef>
+            <a:effectRef idx="0">
+              <a:schemeClr val="accent1"/>
+            </a:effectRef>
+            <a:fontRef idx="minor">
+              <a:schemeClr val="lt1"/>
+            </a:fontRef>
+          </p:style>
+          <p:txBody>
+            <a:bodyPr rtlCol="0" anchor="ctr"/>
+            <a:lstStyle/>
+            <a:p>
+              <a:pPr algn="ctr"/>
+              <a:r>
+                <a:rPr lang="en-US" dirty="0"/>
+                <a:t>PC</a:t>
+              </a:r>
+            </a:p>
+            <a:p>
+              <a:pPr algn="ctr"/>
+              <a:r>
+                <a:rPr lang="en-US" dirty="0"/>
+                <a:t>192.168.1.22</a:t>
+              </a:r>
+            </a:p>
+          </p:txBody>
+        </p:sp>
+        <p:sp>
+          <p:nvSpPr>
+            <p:cNvPr id="12" name="Rectangle 11">
+              <a:extLst>
+                <a:ext uri="{FF2B5EF4-FFF2-40B4-BE49-F238E27FC236}">
+                  <a16:creationId xmlns:a16="http://schemas.microsoft.com/office/drawing/2014/main" id="{D3C3192F-F48F-426B-914B-B449319B8277}"/>
+                </a:ext>
+              </a:extLst>
+            </p:cNvPr>
+            <p:cNvSpPr/>
+            <p:nvPr/>
+          </p:nvSpPr>
+          <p:spPr>
+            <a:xfrm rot="5400000">
+              <a:off x="6055451" y="3237880"/>
+              <a:ext cx="159391" cy="923330"/>
+            </a:xfrm>
+            <a:prstGeom prst="rect">
+              <a:avLst/>
+            </a:prstGeom>
+          </p:spPr>
+          <p:style>
+            <a:lnRef idx="2">
+              <a:schemeClr val="accent4">
+                <a:shade val="50000"/>
+              </a:schemeClr>
+            </a:lnRef>
+            <a:fillRef idx="1">
+              <a:schemeClr val="accent4"/>
+            </a:fillRef>
+            <a:effectRef idx="0">
+              <a:schemeClr val="accent4"/>
+            </a:effectRef>
+            <a:fontRef idx="minor">
+              <a:schemeClr val="lt1"/>
+            </a:fontRef>
+          </p:style>
+          <p:txBody>
+            <a:bodyPr rtlCol="0" anchor="ctr"/>
+            <a:lstStyle/>
+            <a:p>
+              <a:pPr algn="ctr"/>
+              <a:endParaRPr lang="en-US" dirty="0"/>
+            </a:p>
+          </p:txBody>
+        </p:sp>
+      </p:grpSp>
+      <p:sp>
+        <p:nvSpPr>
+          <p:cNvPr id="19" name="Rectangle 18">
+            <a:extLst>
+              <a:ext uri="{FF2B5EF4-FFF2-40B4-BE49-F238E27FC236}">
+                <a16:creationId xmlns:a16="http://schemas.microsoft.com/office/drawing/2014/main" id="{9EFF09D3-A526-407E-9AA4-612B22CE93AD}"/>
+              </a:ext>
+            </a:extLst>
+          </p:cNvPr>
+          <p:cNvSpPr/>
+          <p:nvPr/>
+        </p:nvSpPr>
+        <p:spPr>
+          <a:xfrm>
+            <a:off x="7406751" y="3642399"/>
+            <a:ext cx="1172343" cy="1476720"/>
+          </a:xfrm>
+          <a:prstGeom prst="rect">
+            <a:avLst/>
+          </a:prstGeom>
+        </p:spPr>
+        <p:style>
+          <a:lnRef idx="2">
+            <a:schemeClr val="accent6">
+              <a:shade val="50000"/>
+            </a:schemeClr>
+          </a:lnRef>
+          <a:fillRef idx="1">
+            <a:schemeClr val="accent6"/>
+          </a:fillRef>
+          <a:effectRef idx="0">
+            <a:schemeClr val="accent6"/>
+          </a:effectRef>
+          <a:fontRef idx="minor">
+            <a:schemeClr val="lt1"/>
+          </a:fontRef>
+        </p:style>
+        <p:txBody>
+          <a:bodyPr rtlCol="0" anchor="t"/>
+          <a:lstStyle/>
+          <a:p>
+            <a:pPr algn="ctr"/>
+            <a:r>
+              <a:rPr lang="en-US" dirty="0"/>
+              <a:t>Router</a:t>
+            </a:r>
+          </a:p>
+          <a:p>
+            <a:pPr algn="ctr"/>
+            <a:r>
+              <a:rPr lang="en-US" dirty="0"/>
+              <a:t>----</a:t>
+            </a:r>
+          </a:p>
+          <a:p>
+            <a:pPr algn="ctr"/>
+            <a:r>
+              <a:rPr lang="en-US" dirty="0"/>
+              <a:t>Lan IP</a:t>
+            </a:r>
+          </a:p>
+          <a:p>
+            <a:pPr algn="ctr"/>
+            <a:r>
+              <a:rPr lang="en-US" dirty="0"/>
+              <a:t>WAN IP</a:t>
+            </a:r>
+          </a:p>
+          <a:p>
+            <a:pPr algn="ctr"/>
+            <a:r>
+              <a:rPr lang="en-US" dirty="0"/>
+              <a:t>---</a:t>
+            </a:r>
+          </a:p>
+          <a:p>
+            <a:pPr algn="ctr"/>
+            <a:endParaRPr lang="en-US" dirty="0"/>
+          </a:p>
+        </p:txBody>
+      </p:sp>
+      <p:sp>
+        <p:nvSpPr>
+          <p:cNvPr id="28" name="Rectangle 27">
+            <a:extLst>
+              <a:ext uri="{FF2B5EF4-FFF2-40B4-BE49-F238E27FC236}">
+                <a16:creationId xmlns:a16="http://schemas.microsoft.com/office/drawing/2014/main" id="{6A57B902-D59E-4A8A-862F-ADBDB7A43033}"/>
+              </a:ext>
+            </a:extLst>
+          </p:cNvPr>
+          <p:cNvSpPr/>
+          <p:nvPr/>
+        </p:nvSpPr>
+        <p:spPr>
+          <a:xfrm>
+            <a:off x="9295390" y="3462248"/>
+            <a:ext cx="2632773" cy="977317"/>
           </a:xfrm>
           <a:prstGeom prst="rect">
             <a:avLst/>
@@ -3372,24 +4020,24 @@
             <a:pPr algn="ctr"/>
             <a:r>
               <a:rPr lang="en-US" dirty="0"/>
-              <a:t>PC</a:t>
+              <a:t>Mobile</a:t>
             </a:r>
           </a:p>
           <a:p>
             <a:pPr algn="ctr"/>
             <a:r>
               <a:rPr lang="en-US" dirty="0"/>
-              <a:t>192.168.1.20</a:t>
-            </a:r>
-          </a:p>
-        </p:txBody>
-      </p:sp>
-      <p:sp>
-        <p:nvSpPr>
-          <p:cNvPr id="5" name="Rectangle 4">
-            <a:extLst>
-              <a:ext uri="{FF2B5EF4-FFF2-40B4-BE49-F238E27FC236}">
-                <a16:creationId xmlns:a16="http://schemas.microsoft.com/office/drawing/2014/main" id="{08E0094F-F4BA-48B6-A0E6-852D4CF3E3F2}"/>
+              <a:t>192.168.1.23</a:t>
+            </a:r>
+          </a:p>
+        </p:txBody>
+      </p:sp>
+      <p:sp>
+        <p:nvSpPr>
+          <p:cNvPr id="29" name="Rectangle 28">
+            <a:extLst>
+              <a:ext uri="{FF2B5EF4-FFF2-40B4-BE49-F238E27FC236}">
+                <a16:creationId xmlns:a16="http://schemas.microsoft.com/office/drawing/2014/main" id="{90BB3A03-B296-42D2-B04E-C3E4ABF4E195}"/>
               </a:ext>
             </a:extLst>
           </p:cNvPr>
@@ -3398,8 +4046,8 @@
         </p:nvSpPr>
         <p:spPr>
           <a:xfrm>
-            <a:off x="8149192" y="319625"/>
-            <a:ext cx="2934777" cy="1881516"/>
+            <a:off x="9295390" y="4529341"/>
+            <a:ext cx="2632773" cy="977317"/>
           </a:xfrm>
           <a:prstGeom prst="rect">
             <a:avLst/>
@@ -3428,171 +4076,24 @@
             <a:pPr algn="ctr"/>
             <a:r>
               <a:rPr lang="en-US" dirty="0"/>
-              <a:t>PC</a:t>
+              <a:t>Laptop</a:t>
             </a:r>
           </a:p>
           <a:p>
             <a:pPr algn="ctr"/>
             <a:r>
               <a:rPr lang="en-US" dirty="0"/>
-              <a:t>192.168.1.21</a:t>
-            </a:r>
-          </a:p>
-          <a:p>
-            <a:pPr algn="ctr"/>
-            <a:endParaRPr lang="en-US" dirty="0"/>
-          </a:p>
-        </p:txBody>
-      </p:sp>
-      <p:sp>
-        <p:nvSpPr>
-          <p:cNvPr id="6" name="TextBox 5">
-            <a:extLst>
-              <a:ext uri="{FF2B5EF4-FFF2-40B4-BE49-F238E27FC236}">
-                <a16:creationId xmlns:a16="http://schemas.microsoft.com/office/drawing/2014/main" id="{BD50B6B3-396E-4A3E-830A-DA7A3DCCD574}"/>
-              </a:ext>
-            </a:extLst>
-          </p:cNvPr>
-          <p:cNvSpPr txBox="1"/>
-          <p:nvPr/>
-        </p:nvSpPr>
-        <p:spPr>
-          <a:xfrm>
-            <a:off x="116967" y="470150"/>
-            <a:ext cx="5257101" cy="6186309"/>
-          </a:xfrm>
-          <a:prstGeom prst="rect">
-            <a:avLst/>
-          </a:prstGeom>
-          <a:noFill/>
-        </p:spPr>
-        <p:txBody>
-          <a:bodyPr wrap="square" rtlCol="0">
-            <a:spAutoFit/>
-          </a:bodyPr>
-          <a:lstStyle/>
-          <a:p>
-            <a:r>
-              <a:rPr lang="en-US" dirty="0"/>
-              <a:t>Hardware:</a:t>
-            </a:r>
-          </a:p>
-          <a:p>
-            <a:r>
-              <a:rPr lang="en-US" dirty="0"/>
-              <a:t>1- Ethernet</a:t>
-            </a:r>
-          </a:p>
-          <a:p>
-            <a:r>
-              <a:rPr lang="en-US" dirty="0"/>
-              <a:t>2- Network Cable (RJ45)</a:t>
-            </a:r>
-          </a:p>
-          <a:p>
-            <a:r>
-              <a:rPr lang="en-US" dirty="0"/>
-              <a:t>3- Hub/Switch </a:t>
-            </a:r>
-          </a:p>
-          <a:p>
-            <a:r>
-              <a:rPr lang="en-US" dirty="0"/>
-              <a:t>4- Router ()</a:t>
-            </a:r>
-          </a:p>
-          <a:p>
-            <a:endParaRPr lang="en-US" dirty="0"/>
-          </a:p>
-          <a:p>
-            <a:r>
-              <a:rPr lang="en-US" dirty="0"/>
-              <a:t>Software:</a:t>
-            </a:r>
-          </a:p>
-          <a:p>
-            <a:r>
-              <a:rPr lang="en-US" dirty="0"/>
-              <a:t>1- Protocol (TCP/IP)</a:t>
-            </a:r>
-          </a:p>
-          <a:p>
-            <a:r>
-              <a:rPr lang="en-US" dirty="0"/>
-              <a:t>2- Each node should have unique IP address</a:t>
-            </a:r>
-          </a:p>
-          <a:p>
-            <a:r>
-              <a:rPr lang="en-US" dirty="0"/>
-              <a:t>(IP v4, IP v6)</a:t>
-            </a:r>
-          </a:p>
-          <a:p>
-            <a:endParaRPr lang="en-US" dirty="0"/>
-          </a:p>
-          <a:p>
-            <a:r>
-              <a:rPr lang="en-US" dirty="0"/>
-              <a:t>IP: Static / Dynamic (by DHCP server)</a:t>
-            </a:r>
-          </a:p>
-          <a:p>
-            <a:endParaRPr lang="en-US" dirty="0"/>
-          </a:p>
-          <a:p>
-            <a:r>
-              <a:rPr lang="en-US" dirty="0"/>
-              <a:t>Router:</a:t>
-            </a:r>
-          </a:p>
-          <a:p>
-            <a:r>
-              <a:rPr lang="en-US" dirty="0"/>
-              <a:t>1- Wireless-support</a:t>
-            </a:r>
-          </a:p>
-          <a:p>
-            <a:r>
-              <a:rPr lang="en-US" dirty="0"/>
-              <a:t>2- Wan (Internet)</a:t>
-            </a:r>
-          </a:p>
-          <a:p>
-            <a:r>
-              <a:rPr lang="en-US" dirty="0"/>
-              <a:t>3- DHCP Server – Assign Dynamic IP</a:t>
-            </a:r>
-          </a:p>
-          <a:p>
-            <a:r>
-              <a:rPr lang="en-US" dirty="0"/>
-              <a:t>4- DNS Server (domain-name service), which</a:t>
-            </a:r>
-          </a:p>
-          <a:p>
-            <a:r>
-              <a:rPr lang="en-US" dirty="0"/>
-              <a:t>Provides DNS name service</a:t>
-            </a:r>
-          </a:p>
-          <a:p>
-            <a:endParaRPr lang="en-US" dirty="0"/>
-          </a:p>
-          <a:p>
-            <a:endParaRPr lang="en-US" dirty="0"/>
-          </a:p>
-          <a:p>
-            <a:endParaRPr lang="en-US" dirty="0"/>
-          </a:p>
-        </p:txBody>
-      </p:sp>
-      <p:sp>
-        <p:nvSpPr>
-          <p:cNvPr id="7" name="Rectangle 6">
-            <a:extLst>
-              <a:ext uri="{FF2B5EF4-FFF2-40B4-BE49-F238E27FC236}">
-                <a16:creationId xmlns:a16="http://schemas.microsoft.com/office/drawing/2014/main" id="{E2A9CD37-83A6-43F9-B826-229F42224A10}"/>
+              <a:t>192.168.1.24</a:t>
+            </a:r>
+          </a:p>
+        </p:txBody>
+      </p:sp>
+      <p:sp>
+        <p:nvSpPr>
+          <p:cNvPr id="30" name="Rectangle 29">
+            <a:extLst>
+              <a:ext uri="{FF2B5EF4-FFF2-40B4-BE49-F238E27FC236}">
+                <a16:creationId xmlns:a16="http://schemas.microsoft.com/office/drawing/2014/main" id="{835FBA24-A836-4039-8387-F43FA441FCC5}"/>
               </a:ext>
             </a:extLst>
           </p:cNvPr>
@@ -3601,100 +4102,8 @@
         </p:nvSpPr>
         <p:spPr>
           <a:xfrm>
-            <a:off x="5760597" y="780527"/>
-            <a:ext cx="159391" cy="923330"/>
-          </a:xfrm>
-          <a:prstGeom prst="rect">
-            <a:avLst/>
-          </a:prstGeom>
-        </p:spPr>
-        <p:style>
-          <a:lnRef idx="2">
-            <a:schemeClr val="accent4">
-              <a:shade val="50000"/>
-            </a:schemeClr>
-          </a:lnRef>
-          <a:fillRef idx="1">
-            <a:schemeClr val="accent4"/>
-          </a:fillRef>
-          <a:effectRef idx="0">
-            <a:schemeClr val="accent4"/>
-          </a:effectRef>
-          <a:fontRef idx="minor">
-            <a:schemeClr val="lt1"/>
-          </a:fontRef>
-        </p:style>
-        <p:txBody>
-          <a:bodyPr rtlCol="0" anchor="ctr"/>
-          <a:lstStyle/>
-          <a:p>
-            <a:pPr algn="ctr"/>
-            <a:endParaRPr lang="en-US" dirty="0"/>
-          </a:p>
-        </p:txBody>
-      </p:sp>
-      <p:sp>
-        <p:nvSpPr>
-          <p:cNvPr id="8" name="Rectangle 7">
-            <a:extLst>
-              <a:ext uri="{FF2B5EF4-FFF2-40B4-BE49-F238E27FC236}">
-                <a16:creationId xmlns:a16="http://schemas.microsoft.com/office/drawing/2014/main" id="{4F678B07-4A71-4FAF-B3D1-A593581EB4AA}"/>
-              </a:ext>
-            </a:extLst>
-          </p:cNvPr>
-          <p:cNvSpPr/>
-          <p:nvPr/>
-        </p:nvSpPr>
-        <p:spPr>
-          <a:xfrm>
-            <a:off x="8077542" y="792190"/>
-            <a:ext cx="159391" cy="923330"/>
-          </a:xfrm>
-          <a:prstGeom prst="rect">
-            <a:avLst/>
-          </a:prstGeom>
-        </p:spPr>
-        <p:style>
-          <a:lnRef idx="2">
-            <a:schemeClr val="accent4">
-              <a:shade val="50000"/>
-            </a:schemeClr>
-          </a:lnRef>
-          <a:fillRef idx="1">
-            <a:schemeClr val="accent4"/>
-          </a:fillRef>
-          <a:effectRef idx="0">
-            <a:schemeClr val="accent4"/>
-          </a:effectRef>
-          <a:fontRef idx="minor">
-            <a:schemeClr val="lt1"/>
-          </a:fontRef>
-        </p:style>
-        <p:txBody>
-          <a:bodyPr rtlCol="0" anchor="ctr"/>
-          <a:lstStyle/>
-          <a:p>
-            <a:pPr algn="ctr"/>
-            <a:endParaRPr lang="en-US" dirty="0"/>
-          </a:p>
-        </p:txBody>
-      </p:sp>
-      <p:sp>
-        <p:nvSpPr>
-          <p:cNvPr id="11" name="Rectangle 10">
-            <a:extLst>
-              <a:ext uri="{FF2B5EF4-FFF2-40B4-BE49-F238E27FC236}">
-                <a16:creationId xmlns:a16="http://schemas.microsoft.com/office/drawing/2014/main" id="{FF55E5DC-CADB-4EB8-80FB-5DFA0920CE0D}"/>
-              </a:ext>
-            </a:extLst>
-          </p:cNvPr>
-          <p:cNvSpPr/>
-          <p:nvPr/>
-        </p:nvSpPr>
-        <p:spPr>
-          <a:xfrm>
-            <a:off x="4547517" y="3699546"/>
-            <a:ext cx="2934777" cy="1561984"/>
+            <a:off x="9295390" y="5596434"/>
+            <a:ext cx="2632773" cy="977317"/>
           </a:xfrm>
           <a:prstGeom prst="rect">
             <a:avLst/>
@@ -3723,24 +4132,24 @@
             <a:pPr algn="ctr"/>
             <a:r>
               <a:rPr lang="en-US" dirty="0"/>
-              <a:t>PC</a:t>
+              <a:t>Printer</a:t>
             </a:r>
           </a:p>
           <a:p>
             <a:pPr algn="ctr"/>
             <a:r>
               <a:rPr lang="en-US" dirty="0"/>
-              <a:t>192.168.1.22</a:t>
-            </a:r>
-          </a:p>
-        </p:txBody>
-      </p:sp>
-      <p:sp>
-        <p:nvSpPr>
-          <p:cNvPr id="12" name="Rectangle 11">
-            <a:extLst>
-              <a:ext uri="{FF2B5EF4-FFF2-40B4-BE49-F238E27FC236}">
-                <a16:creationId xmlns:a16="http://schemas.microsoft.com/office/drawing/2014/main" id="{D3C3192F-F48F-426B-914B-B449319B8277}"/>
+              <a:t>192.168.1.25</a:t>
+            </a:r>
+          </a:p>
+        </p:txBody>
+      </p:sp>
+      <p:sp>
+        <p:nvSpPr>
+          <p:cNvPr id="31" name="Rectangle 30">
+            <a:extLst>
+              <a:ext uri="{FF2B5EF4-FFF2-40B4-BE49-F238E27FC236}">
+                <a16:creationId xmlns:a16="http://schemas.microsoft.com/office/drawing/2014/main" id="{910F0BCD-E420-4DAB-91BE-9C031DC44281}"/>
               </a:ext>
             </a:extLst>
           </p:cNvPr>
@@ -3748,55 +4157,9 @@
           <p:nvPr/>
         </p:nvSpPr>
         <p:spPr>
-          <a:xfrm rot="5400000">
-            <a:off x="6055451" y="3237880"/>
-            <a:ext cx="159391" cy="923330"/>
-          </a:xfrm>
-          <a:prstGeom prst="rect">
-            <a:avLst/>
-          </a:prstGeom>
-        </p:spPr>
-        <p:style>
-          <a:lnRef idx="2">
-            <a:schemeClr val="accent4">
-              <a:shade val="50000"/>
-            </a:schemeClr>
-          </a:lnRef>
-          <a:fillRef idx="1">
-            <a:schemeClr val="accent4"/>
-          </a:fillRef>
-          <a:effectRef idx="0">
-            <a:schemeClr val="accent4"/>
-          </a:effectRef>
-          <a:fontRef idx="minor">
-            <a:schemeClr val="lt1"/>
-          </a:fontRef>
-        </p:style>
-        <p:txBody>
-          <a:bodyPr rtlCol="0" anchor="ctr"/>
-          <a:lstStyle/>
-          <a:p>
-            <a:pPr algn="ctr"/>
-            <a:endParaRPr lang="en-US" dirty="0"/>
-          </a:p>
-        </p:txBody>
-      </p:sp>
-      <p:sp>
-        <p:nvSpPr>
-          <p:cNvPr id="19" name="Rectangle 18">
-            <a:extLst>
-              <a:ext uri="{FF2B5EF4-FFF2-40B4-BE49-F238E27FC236}">
-                <a16:creationId xmlns:a16="http://schemas.microsoft.com/office/drawing/2014/main" id="{9EFF09D3-A526-407E-9AA4-612B22CE93AD}"/>
-              </a:ext>
-            </a:extLst>
-          </p:cNvPr>
-          <p:cNvSpPr/>
-          <p:nvPr/>
-        </p:nvSpPr>
-        <p:spPr>
-          <a:xfrm>
-            <a:off x="7710882" y="4194238"/>
-            <a:ext cx="1172343" cy="1105249"/>
+          <a:xfrm>
+            <a:off x="7156383" y="1089351"/>
+            <a:ext cx="1072049" cy="699789"/>
           </a:xfrm>
           <a:prstGeom prst="rect">
             <a:avLst/>
@@ -3825,223 +4188,6 @@
             <a:pPr algn="ctr"/>
             <a:r>
               <a:rPr lang="en-US" dirty="0"/>
-              <a:t>Router</a:t>
-            </a:r>
-          </a:p>
-        </p:txBody>
-      </p:sp>
-      <p:sp>
-        <p:nvSpPr>
-          <p:cNvPr id="28" name="Rectangle 27">
-            <a:extLst>
-              <a:ext uri="{FF2B5EF4-FFF2-40B4-BE49-F238E27FC236}">
-                <a16:creationId xmlns:a16="http://schemas.microsoft.com/office/drawing/2014/main" id="{6A57B902-D59E-4A8A-862F-ADBDB7A43033}"/>
-              </a:ext>
-            </a:extLst>
-          </p:cNvPr>
-          <p:cNvSpPr/>
-          <p:nvPr/>
-        </p:nvSpPr>
-        <p:spPr>
-          <a:xfrm>
-            <a:off x="9491486" y="3479617"/>
-            <a:ext cx="2632773" cy="977317"/>
-          </a:xfrm>
-          <a:prstGeom prst="rect">
-            <a:avLst/>
-          </a:prstGeom>
-        </p:spPr>
-        <p:style>
-          <a:lnRef idx="2">
-            <a:schemeClr val="accent1">
-              <a:shade val="50000"/>
-            </a:schemeClr>
-          </a:lnRef>
-          <a:fillRef idx="1">
-            <a:schemeClr val="accent1"/>
-          </a:fillRef>
-          <a:effectRef idx="0">
-            <a:schemeClr val="accent1"/>
-          </a:effectRef>
-          <a:fontRef idx="minor">
-            <a:schemeClr val="lt1"/>
-          </a:fontRef>
-        </p:style>
-        <p:txBody>
-          <a:bodyPr rtlCol="0" anchor="ctr"/>
-          <a:lstStyle/>
-          <a:p>
-            <a:pPr algn="ctr"/>
-            <a:r>
-              <a:rPr lang="en-US" dirty="0"/>
-              <a:t>Mobile</a:t>
-            </a:r>
-          </a:p>
-          <a:p>
-            <a:pPr algn="ctr"/>
-            <a:r>
-              <a:rPr lang="en-US" dirty="0"/>
-              <a:t>192.168.1.23</a:t>
-            </a:r>
-          </a:p>
-        </p:txBody>
-      </p:sp>
-      <p:sp>
-        <p:nvSpPr>
-          <p:cNvPr id="29" name="Rectangle 28">
-            <a:extLst>
-              <a:ext uri="{FF2B5EF4-FFF2-40B4-BE49-F238E27FC236}">
-                <a16:creationId xmlns:a16="http://schemas.microsoft.com/office/drawing/2014/main" id="{90BB3A03-B296-42D2-B04E-C3E4ABF4E195}"/>
-              </a:ext>
-            </a:extLst>
-          </p:cNvPr>
-          <p:cNvSpPr/>
-          <p:nvPr/>
-        </p:nvSpPr>
-        <p:spPr>
-          <a:xfrm>
-            <a:off x="9491486" y="4546710"/>
-            <a:ext cx="2632773" cy="977317"/>
-          </a:xfrm>
-          <a:prstGeom prst="rect">
-            <a:avLst/>
-          </a:prstGeom>
-        </p:spPr>
-        <p:style>
-          <a:lnRef idx="2">
-            <a:schemeClr val="accent1">
-              <a:shade val="50000"/>
-            </a:schemeClr>
-          </a:lnRef>
-          <a:fillRef idx="1">
-            <a:schemeClr val="accent1"/>
-          </a:fillRef>
-          <a:effectRef idx="0">
-            <a:schemeClr val="accent1"/>
-          </a:effectRef>
-          <a:fontRef idx="minor">
-            <a:schemeClr val="lt1"/>
-          </a:fontRef>
-        </p:style>
-        <p:txBody>
-          <a:bodyPr rtlCol="0" anchor="ctr"/>
-          <a:lstStyle/>
-          <a:p>
-            <a:pPr algn="ctr"/>
-            <a:r>
-              <a:rPr lang="en-US" dirty="0"/>
-              <a:t>Laptop</a:t>
-            </a:r>
-          </a:p>
-          <a:p>
-            <a:pPr algn="ctr"/>
-            <a:r>
-              <a:rPr lang="en-US" dirty="0"/>
-              <a:t>192.168.1.24</a:t>
-            </a:r>
-          </a:p>
-        </p:txBody>
-      </p:sp>
-      <p:sp>
-        <p:nvSpPr>
-          <p:cNvPr id="30" name="Rectangle 29">
-            <a:extLst>
-              <a:ext uri="{FF2B5EF4-FFF2-40B4-BE49-F238E27FC236}">
-                <a16:creationId xmlns:a16="http://schemas.microsoft.com/office/drawing/2014/main" id="{835FBA24-A836-4039-8387-F43FA441FCC5}"/>
-              </a:ext>
-            </a:extLst>
-          </p:cNvPr>
-          <p:cNvSpPr/>
-          <p:nvPr/>
-        </p:nvSpPr>
-        <p:spPr>
-          <a:xfrm>
-            <a:off x="9491486" y="5613803"/>
-            <a:ext cx="2632773" cy="977317"/>
-          </a:xfrm>
-          <a:prstGeom prst="rect">
-            <a:avLst/>
-          </a:prstGeom>
-        </p:spPr>
-        <p:style>
-          <a:lnRef idx="2">
-            <a:schemeClr val="accent1">
-              <a:shade val="50000"/>
-            </a:schemeClr>
-          </a:lnRef>
-          <a:fillRef idx="1">
-            <a:schemeClr val="accent1"/>
-          </a:fillRef>
-          <a:effectRef idx="0">
-            <a:schemeClr val="accent1"/>
-          </a:effectRef>
-          <a:fontRef idx="minor">
-            <a:schemeClr val="lt1"/>
-          </a:fontRef>
-        </p:style>
-        <p:txBody>
-          <a:bodyPr rtlCol="0" anchor="ctr"/>
-          <a:lstStyle/>
-          <a:p>
-            <a:pPr algn="ctr"/>
-            <a:r>
-              <a:rPr lang="en-US" dirty="0"/>
-              <a:t>Printer</a:t>
-            </a:r>
-          </a:p>
-          <a:p>
-            <a:pPr algn="ctr"/>
-            <a:r>
-              <a:rPr lang="en-US" dirty="0"/>
-              <a:t>192.168.1.25</a:t>
-            </a:r>
-          </a:p>
-        </p:txBody>
-      </p:sp>
-      <p:sp>
-        <p:nvSpPr>
-          <p:cNvPr id="31" name="Rectangle 30">
-            <a:extLst>
-              <a:ext uri="{FF2B5EF4-FFF2-40B4-BE49-F238E27FC236}">
-                <a16:creationId xmlns:a16="http://schemas.microsoft.com/office/drawing/2014/main" id="{910F0BCD-E420-4DAB-91BE-9C031DC44281}"/>
-              </a:ext>
-            </a:extLst>
-          </p:cNvPr>
-          <p:cNvSpPr/>
-          <p:nvPr/>
-        </p:nvSpPr>
-        <p:spPr>
-          <a:xfrm>
-            <a:off x="6469468" y="896682"/>
-            <a:ext cx="1072049" cy="699789"/>
-          </a:xfrm>
-          <a:prstGeom prst="rect">
-            <a:avLst/>
-          </a:prstGeom>
-        </p:spPr>
-        <p:style>
-          <a:lnRef idx="2">
-            <a:schemeClr val="accent6">
-              <a:shade val="50000"/>
-            </a:schemeClr>
-          </a:lnRef>
-          <a:fillRef idx="1">
-            <a:schemeClr val="accent6"/>
-          </a:fillRef>
-          <a:effectRef idx="0">
-            <a:schemeClr val="accent6"/>
-          </a:effectRef>
-          <a:fontRef idx="minor">
-            <a:schemeClr val="lt1"/>
-          </a:fontRef>
-        </p:style>
-        <p:txBody>
-          <a:bodyPr rtlCol="0" anchor="ctr"/>
-          <a:lstStyle/>
-          <a:p>
-            <a:pPr algn="ctr"/>
-            <a:r>
-              <a:rPr lang="en-US" dirty="0"/>
               <a:t>Switch</a:t>
             </a:r>
           </a:p>
@@ -4063,9 +4209,9 @@
           <p:nvPr/>
         </p:nvCxnSpPr>
         <p:spPr>
-          <a:xfrm flipH="1" flipV="1">
-            <a:off x="5919988" y="1242192"/>
-            <a:ext cx="549480" cy="4385"/>
+          <a:xfrm flipH="1">
+            <a:off x="6866057" y="1439246"/>
+            <a:ext cx="290326" cy="15952"/>
           </a:xfrm>
           <a:prstGeom prst="line">
             <a:avLst/>
@@ -4104,8 +4250,8 @@
         </p:nvCxnSpPr>
         <p:spPr>
           <a:xfrm flipH="1" flipV="1">
-            <a:off x="7541517" y="1246577"/>
-            <a:ext cx="536025" cy="7278"/>
+            <a:off x="8228432" y="1439246"/>
+            <a:ext cx="708811" cy="26569"/>
           </a:xfrm>
           <a:prstGeom prst="line">
             <a:avLst/>
@@ -4144,8 +4290,8 @@
         </p:nvCxnSpPr>
         <p:spPr>
           <a:xfrm flipV="1">
-            <a:off x="6135147" y="1596471"/>
-            <a:ext cx="870346" cy="2023379"/>
+            <a:off x="5470787" y="1789140"/>
+            <a:ext cx="2221621" cy="1317604"/>
           </a:xfrm>
           <a:prstGeom prst="line">
             <a:avLst/>
@@ -4180,7 +4326,7 @@
         </p:nvSpPr>
         <p:spPr>
           <a:xfrm>
-            <a:off x="4102217" y="5788404"/>
+            <a:off x="116967" y="5788404"/>
             <a:ext cx="3053592" cy="1069596"/>
           </a:xfrm>
           <a:prstGeom prst="ellipse">
@@ -4233,8 +4379,8 @@
         </p:nvCxnSpPr>
         <p:spPr>
           <a:xfrm flipV="1">
-            <a:off x="7155809" y="5299487"/>
-            <a:ext cx="1141245" cy="1023715"/>
+            <a:off x="3170559" y="5119119"/>
+            <a:ext cx="4822364" cy="1204083"/>
           </a:xfrm>
           <a:prstGeom prst="line">
             <a:avLst/>
@@ -4273,8 +4419,8 @@
         </p:nvCxnSpPr>
         <p:spPr>
           <a:xfrm flipH="1" flipV="1">
-            <a:off x="7005493" y="1596471"/>
-            <a:ext cx="1291561" cy="2597767"/>
+            <a:off x="7692408" y="1789140"/>
+            <a:ext cx="300515" cy="1853259"/>
           </a:xfrm>
           <a:prstGeom prst="line">
             <a:avLst/>
@@ -4309,8 +4455,8 @@
         </p:nvSpPr>
         <p:spPr>
           <a:xfrm>
-            <a:off x="8883225" y="3984770"/>
-            <a:ext cx="622216" cy="446875"/>
+            <a:off x="8579095" y="3984770"/>
+            <a:ext cx="716296" cy="283345"/>
           </a:xfrm>
           <a:custGeom>
             <a:avLst/>
@@ -4383,9 +4529,9 @@
           <p:nvPr/>
         </p:nvSpPr>
         <p:spPr>
-          <a:xfrm>
-            <a:off x="8883225" y="4679859"/>
-            <a:ext cx="608261" cy="247679"/>
+          <a:xfrm flipV="1">
+            <a:off x="8565141" y="4531278"/>
+            <a:ext cx="713321" cy="393060"/>
           </a:xfrm>
           <a:custGeom>
             <a:avLst/>
@@ -4459,8 +4605,8 @@
         </p:nvSpPr>
         <p:spPr>
           <a:xfrm rot="3680190">
-            <a:off x="8520956" y="5586224"/>
-            <a:ext cx="1154522" cy="297070"/>
+            <a:off x="8144576" y="5363028"/>
+            <a:ext cx="1812312" cy="45719"/>
           </a:xfrm>
           <a:custGeom>
             <a:avLst/>
@@ -4600,8 +4746,8 @@
         </p:nvCxnSpPr>
         <p:spPr>
           <a:xfrm flipV="1">
-            <a:off x="8297054" y="2883520"/>
-            <a:ext cx="1605437" cy="1310718"/>
+            <a:off x="7992923" y="2883520"/>
+            <a:ext cx="1909568" cy="758879"/>
           </a:xfrm>
           <a:prstGeom prst="straightConnector1">
             <a:avLst/>
@@ -5426,8 +5572,8 @@
         </p:nvSpPr>
         <p:spPr>
           <a:xfrm rot="20070529">
-            <a:off x="1626966" y="615498"/>
-            <a:ext cx="3080157" cy="971948"/>
+            <a:off x="1520202" y="143498"/>
+            <a:ext cx="3080157" cy="1468098"/>
           </a:xfrm>
           <a:prstGeom prst="rightArrow">
             <a:avLst/>
@@ -5466,6 +5612,21 @@
               <a:t>Returns (142.250.186.174)</a:t>
             </a:r>
           </a:p>
+          <a:p>
+            <a:pPr algn="ctr"/>
+            <a:r>
+              <a:rPr lang="en-US" sz="1000" b="1" dirty="0"/>
+              <a:t>(DNS </a:t>
+            </a:r>
+            <a:r>
+              <a:rPr lang="en-US" sz="1000" b="1" dirty="0" err="1"/>
+              <a:t>Lokup</a:t>
+            </a:r>
+            <a:r>
+              <a:rPr lang="en-US" sz="1000" b="1" dirty="0"/>
+              <a:t>)</a:t>
+            </a:r>
+          </a:p>
         </p:txBody>
       </p:sp>
       <p:sp>
@@ -5535,7 +5696,7 @@
         </p:nvSpPr>
         <p:spPr>
           <a:xfrm>
-            <a:off x="1311084" y="4194495"/>
+            <a:off x="1111650" y="4172687"/>
             <a:ext cx="2296182" cy="369332"/>
           </a:xfrm>
           <a:prstGeom prst="rect">
@@ -5549,6 +5710,7 @@
           </a:bodyPr>
           <a:lstStyle/>
           <a:p>
+            <a:pPr algn="ctr"/>
             <a:r>
               <a:rPr lang="en-US" dirty="0"/>
               <a:t>Windows OS</a:t>
@@ -6000,6 +6162,969 @@
     <p:extLst>
       <p:ext uri="{BB962C8B-B14F-4D97-AF65-F5344CB8AC3E}">
         <p14:creationId xmlns:p14="http://schemas.microsoft.com/office/powerpoint/2010/main" val="921260710"/>
+      </p:ext>
+    </p:extLst>
+  </p:cSld>
+  <p:clrMapOvr>
+    <a:masterClrMapping/>
+  </p:clrMapOvr>
+</p:sld>
+</file>
+
+<file path=ppt/slides/slide4.xml><?xml version="1.0" encoding="utf-8"?>
+<p:sld xmlns:a="http://schemas.openxmlformats.org/drawingml/2006/main" xmlns:r="http://schemas.openxmlformats.org/officeDocument/2006/relationships" xmlns:p="http://schemas.openxmlformats.org/presentationml/2006/main">
+  <p:cSld>
+    <p:spTree>
+      <p:nvGrpSpPr>
+        <p:cNvPr id="1" name=""/>
+        <p:cNvGrpSpPr/>
+        <p:nvPr/>
+      </p:nvGrpSpPr>
+      <p:grpSpPr>
+        <a:xfrm>
+          <a:off x="0" y="0"/>
+          <a:ext cx="0" cy="0"/>
+          <a:chOff x="0" y="0"/>
+          <a:chExt cx="0" cy="0"/>
+        </a:xfrm>
+      </p:grpSpPr>
+      <p:sp>
+        <p:nvSpPr>
+          <p:cNvPr id="7" name="Flowchart: Magnetic Disk 6">
+            <a:extLst>
+              <a:ext uri="{FF2B5EF4-FFF2-40B4-BE49-F238E27FC236}">
+                <a16:creationId xmlns:a16="http://schemas.microsoft.com/office/drawing/2014/main" id="{C554D621-88C7-4437-9E01-B55C6EBD160C}"/>
+              </a:ext>
+            </a:extLst>
+          </p:cNvPr>
+          <p:cNvSpPr/>
+          <p:nvPr/>
+        </p:nvSpPr>
+        <p:spPr>
+          <a:xfrm>
+            <a:off x="10586906" y="1839287"/>
+            <a:ext cx="1543574" cy="763398"/>
+          </a:xfrm>
+          <a:prstGeom prst="flowChartMagneticDisk">
+            <a:avLst/>
+          </a:prstGeom>
+        </p:spPr>
+        <p:style>
+          <a:lnRef idx="2">
+            <a:schemeClr val="accent1">
+              <a:shade val="50000"/>
+            </a:schemeClr>
+          </a:lnRef>
+          <a:fillRef idx="1">
+            <a:schemeClr val="accent1"/>
+          </a:fillRef>
+          <a:effectRef idx="0">
+            <a:schemeClr val="accent1"/>
+          </a:effectRef>
+          <a:fontRef idx="minor">
+            <a:schemeClr val="lt1"/>
+          </a:fontRef>
+        </p:style>
+        <p:txBody>
+          <a:bodyPr rtlCol="0" anchor="ctr"/>
+          <a:lstStyle/>
+          <a:p>
+            <a:pPr algn="ctr"/>
+            <a:r>
+              <a:rPr lang="en-US" dirty="0"/>
+              <a:t>DB</a:t>
+            </a:r>
+          </a:p>
+        </p:txBody>
+      </p:sp>
+      <p:grpSp>
+        <p:nvGrpSpPr>
+          <p:cNvPr id="10" name="Group 9">
+            <a:extLst>
+              <a:ext uri="{FF2B5EF4-FFF2-40B4-BE49-F238E27FC236}">
+                <a16:creationId xmlns:a16="http://schemas.microsoft.com/office/drawing/2014/main" id="{F38A270D-E6F9-496E-8757-8FB98F97AEC9}"/>
+              </a:ext>
+            </a:extLst>
+          </p:cNvPr>
+          <p:cNvGrpSpPr/>
+          <p:nvPr/>
+        </p:nvGrpSpPr>
+        <p:grpSpPr>
+          <a:xfrm>
+            <a:off x="2625754" y="236990"/>
+            <a:ext cx="7021585" cy="2790609"/>
+            <a:chOff x="1988191" y="411061"/>
+            <a:chExt cx="7021585" cy="2790609"/>
+          </a:xfrm>
+        </p:grpSpPr>
+        <p:sp>
+          <p:nvSpPr>
+            <p:cNvPr id="4" name="Rectangle 3">
+              <a:extLst>
+                <a:ext uri="{FF2B5EF4-FFF2-40B4-BE49-F238E27FC236}">
+                  <a16:creationId xmlns:a16="http://schemas.microsoft.com/office/drawing/2014/main" id="{4F3F4394-F4DF-4C2F-8AA1-70157792E896}"/>
+                </a:ext>
+              </a:extLst>
+            </p:cNvPr>
+            <p:cNvSpPr/>
+            <p:nvPr/>
+          </p:nvSpPr>
+          <p:spPr>
+            <a:xfrm>
+              <a:off x="1988191" y="411061"/>
+              <a:ext cx="7021585" cy="2790609"/>
+            </a:xfrm>
+            <a:prstGeom prst="rect">
+              <a:avLst/>
+            </a:prstGeom>
+          </p:spPr>
+          <p:style>
+            <a:lnRef idx="2">
+              <a:schemeClr val="accent1">
+                <a:shade val="50000"/>
+              </a:schemeClr>
+            </a:lnRef>
+            <a:fillRef idx="1">
+              <a:schemeClr val="accent1"/>
+            </a:fillRef>
+            <a:effectRef idx="0">
+              <a:schemeClr val="accent1"/>
+            </a:effectRef>
+            <a:fontRef idx="minor">
+              <a:schemeClr val="lt1"/>
+            </a:fontRef>
+          </p:style>
+          <p:txBody>
+            <a:bodyPr rtlCol="0" anchor="t"/>
+            <a:lstStyle/>
+            <a:p>
+              <a:pPr algn="ctr"/>
+              <a:r>
+                <a:rPr lang="en-US" dirty="0"/>
+                <a:t>Application</a:t>
+              </a:r>
+            </a:p>
+          </p:txBody>
+        </p:sp>
+        <p:sp>
+          <p:nvSpPr>
+            <p:cNvPr id="5" name="Rectangle 4">
+              <a:extLst>
+                <a:ext uri="{FF2B5EF4-FFF2-40B4-BE49-F238E27FC236}">
+                  <a16:creationId xmlns:a16="http://schemas.microsoft.com/office/drawing/2014/main" id="{8E551E81-BE55-4D14-B767-1314BFC36999}"/>
+                </a:ext>
+              </a:extLst>
+            </p:cNvPr>
+            <p:cNvSpPr/>
+            <p:nvPr/>
+          </p:nvSpPr>
+          <p:spPr>
+            <a:xfrm>
+              <a:off x="2351717" y="1103152"/>
+              <a:ext cx="2776756" cy="1973510"/>
+            </a:xfrm>
+            <a:prstGeom prst="rect">
+              <a:avLst/>
+            </a:prstGeom>
+          </p:spPr>
+          <p:style>
+            <a:lnRef idx="2">
+              <a:schemeClr val="accent1">
+                <a:shade val="50000"/>
+              </a:schemeClr>
+            </a:lnRef>
+            <a:fillRef idx="1">
+              <a:schemeClr val="accent1"/>
+            </a:fillRef>
+            <a:effectRef idx="0">
+              <a:schemeClr val="accent1"/>
+            </a:effectRef>
+            <a:fontRef idx="minor">
+              <a:schemeClr val="lt1"/>
+            </a:fontRef>
+          </p:style>
+          <p:txBody>
+            <a:bodyPr rtlCol="0" anchor="t"/>
+            <a:lstStyle/>
+            <a:p>
+              <a:pPr algn="ctr"/>
+              <a:r>
+                <a:rPr lang="en-US" dirty="0"/>
+                <a:t>Front-End</a:t>
+              </a:r>
+            </a:p>
+          </p:txBody>
+        </p:sp>
+        <p:sp>
+          <p:nvSpPr>
+            <p:cNvPr id="6" name="Rectangle 5">
+              <a:extLst>
+                <a:ext uri="{FF2B5EF4-FFF2-40B4-BE49-F238E27FC236}">
+                  <a16:creationId xmlns:a16="http://schemas.microsoft.com/office/drawing/2014/main" id="{C49F449D-4464-4ABF-AE82-8013984C11C3}"/>
+                </a:ext>
+              </a:extLst>
+            </p:cNvPr>
+            <p:cNvSpPr/>
+            <p:nvPr/>
+          </p:nvSpPr>
+          <p:spPr>
+            <a:xfrm>
+              <a:off x="5781414" y="1103152"/>
+              <a:ext cx="2776756" cy="1973510"/>
+            </a:xfrm>
+            <a:prstGeom prst="rect">
+              <a:avLst/>
+            </a:prstGeom>
+          </p:spPr>
+          <p:style>
+            <a:lnRef idx="2">
+              <a:schemeClr val="accent1">
+                <a:shade val="50000"/>
+              </a:schemeClr>
+            </a:lnRef>
+            <a:fillRef idx="1">
+              <a:schemeClr val="accent1"/>
+            </a:fillRef>
+            <a:effectRef idx="0">
+              <a:schemeClr val="accent1"/>
+            </a:effectRef>
+            <a:fontRef idx="minor">
+              <a:schemeClr val="lt1"/>
+            </a:fontRef>
+          </p:style>
+          <p:txBody>
+            <a:bodyPr rtlCol="0" anchor="ctr"/>
+            <a:lstStyle/>
+            <a:p>
+              <a:pPr algn="ctr"/>
+              <a:r>
+                <a:rPr lang="en-US" dirty="0"/>
+                <a:t>Back-End</a:t>
+              </a:r>
+            </a:p>
+          </p:txBody>
+        </p:sp>
+        <p:sp>
+          <p:nvSpPr>
+            <p:cNvPr id="8" name="Arrow: Right 7">
+              <a:extLst>
+                <a:ext uri="{FF2B5EF4-FFF2-40B4-BE49-F238E27FC236}">
+                  <a16:creationId xmlns:a16="http://schemas.microsoft.com/office/drawing/2014/main" id="{54B447ED-6F32-478B-99C1-060C6BB295DC}"/>
+                </a:ext>
+              </a:extLst>
+            </p:cNvPr>
+            <p:cNvSpPr/>
+            <p:nvPr/>
+          </p:nvSpPr>
+          <p:spPr>
+            <a:xfrm>
+              <a:off x="5128473" y="2231472"/>
+              <a:ext cx="652941" cy="436227"/>
+            </a:xfrm>
+            <a:prstGeom prst="rightArrow">
+              <a:avLst/>
+            </a:prstGeom>
+          </p:spPr>
+          <p:style>
+            <a:lnRef idx="2">
+              <a:schemeClr val="accent1">
+                <a:shade val="50000"/>
+              </a:schemeClr>
+            </a:lnRef>
+            <a:fillRef idx="1">
+              <a:schemeClr val="accent1"/>
+            </a:fillRef>
+            <a:effectRef idx="0">
+              <a:schemeClr val="accent1"/>
+            </a:effectRef>
+            <a:fontRef idx="minor">
+              <a:schemeClr val="lt1"/>
+            </a:fontRef>
+          </p:style>
+          <p:txBody>
+            <a:bodyPr rtlCol="0" anchor="ctr"/>
+            <a:lstStyle/>
+            <a:p>
+              <a:pPr algn="ctr"/>
+              <a:endParaRPr lang="en-US"/>
+            </a:p>
+          </p:txBody>
+        </p:sp>
+      </p:grpSp>
+      <p:sp>
+        <p:nvSpPr>
+          <p:cNvPr id="9" name="Arrow: Right 8">
+            <a:extLst>
+              <a:ext uri="{FF2B5EF4-FFF2-40B4-BE49-F238E27FC236}">
+                <a16:creationId xmlns:a16="http://schemas.microsoft.com/office/drawing/2014/main" id="{22632949-2724-4207-B066-2C9857F45839}"/>
+              </a:ext>
+            </a:extLst>
+          </p:cNvPr>
+          <p:cNvSpPr/>
+          <p:nvPr/>
+        </p:nvSpPr>
+        <p:spPr>
+          <a:xfrm>
+            <a:off x="9195733" y="1991687"/>
+            <a:ext cx="1391173" cy="436227"/>
+          </a:xfrm>
+          <a:prstGeom prst="rightArrow">
+            <a:avLst/>
+          </a:prstGeom>
+        </p:spPr>
+        <p:style>
+          <a:lnRef idx="2">
+            <a:schemeClr val="accent1">
+              <a:shade val="50000"/>
+            </a:schemeClr>
+          </a:lnRef>
+          <a:fillRef idx="1">
+            <a:schemeClr val="accent1"/>
+          </a:fillRef>
+          <a:effectRef idx="0">
+            <a:schemeClr val="accent1"/>
+          </a:effectRef>
+          <a:fontRef idx="minor">
+            <a:schemeClr val="lt1"/>
+          </a:fontRef>
+        </p:style>
+        <p:txBody>
+          <a:bodyPr rtlCol="0" anchor="ctr"/>
+          <a:lstStyle/>
+          <a:p>
+            <a:pPr algn="ctr"/>
+            <a:endParaRPr lang="en-US"/>
+          </a:p>
+        </p:txBody>
+      </p:sp>
+      <p:pic>
+        <p:nvPicPr>
+          <p:cNvPr id="1026" name="Picture 2" descr="Black Circle 712*980 transprent Png Free Download - Angle, Area, Symbol. -  CleanPNG / KissPNG">
+            <a:extLst>
+              <a:ext uri="{FF2B5EF4-FFF2-40B4-BE49-F238E27FC236}">
+                <a16:creationId xmlns:a16="http://schemas.microsoft.com/office/drawing/2014/main" id="{E50DD1AC-CCD7-4D1E-A18C-9155ADE5D2DC}"/>
+              </a:ext>
+            </a:extLst>
+          </p:cNvPr>
+          <p:cNvPicPr>
+            <a:picLocks noChangeAspect="1" noChangeArrowheads="1"/>
+          </p:cNvPicPr>
+          <p:nvPr/>
+        </p:nvPicPr>
+        <p:blipFill>
+          <a:blip r:embed="rId2">
+            <a:extLst>
+              <a:ext uri="{28A0092B-C50C-407E-A947-70E740481C1C}">
+                <a14:useLocalDpi xmlns:a14="http://schemas.microsoft.com/office/drawing/2010/main" val="0"/>
+              </a:ext>
+            </a:extLst>
+          </a:blip>
+          <a:srcRect/>
+          <a:stretch>
+            <a:fillRect/>
+          </a:stretch>
+        </p:blipFill>
+        <p:spPr bwMode="auto">
+          <a:xfrm>
+            <a:off x="271247" y="1628783"/>
+            <a:ext cx="527107" cy="725807"/>
+          </a:xfrm>
+          <a:prstGeom prst="rect">
+            <a:avLst/>
+          </a:prstGeom>
+          <a:noFill/>
+          <a:extLst>
+            <a:ext uri="{909E8E84-426E-40DD-AFC4-6F175D3DCCD1}">
+              <a14:hiddenFill xmlns:a14="http://schemas.microsoft.com/office/drawing/2010/main">
+                <a:solidFill>
+                  <a:srgbClr val="FFFFFF"/>
+                </a:solidFill>
+              </a14:hiddenFill>
+            </a:ext>
+          </a:extLst>
+        </p:spPr>
+      </p:pic>
+      <p:pic>
+        <p:nvPicPr>
+          <p:cNvPr id="1028" name="Picture 4" descr="Google Chrome – Download the fast, secure browser from Google">
+            <a:extLst>
+              <a:ext uri="{FF2B5EF4-FFF2-40B4-BE49-F238E27FC236}">
+                <a16:creationId xmlns:a16="http://schemas.microsoft.com/office/drawing/2014/main" id="{B74B8B42-7072-44D1-A81D-2224946C1A09}"/>
+              </a:ext>
+            </a:extLst>
+          </p:cNvPr>
+          <p:cNvPicPr>
+            <a:picLocks noChangeAspect="1" noChangeArrowheads="1"/>
+          </p:cNvPicPr>
+          <p:nvPr/>
+        </p:nvPicPr>
+        <p:blipFill>
+          <a:blip r:embed="rId3">
+            <a:extLst>
+              <a:ext uri="{28A0092B-C50C-407E-A947-70E740481C1C}">
+                <a14:useLocalDpi xmlns:a14="http://schemas.microsoft.com/office/drawing/2010/main" val="0"/>
+              </a:ext>
+            </a:extLst>
+          </a:blip>
+          <a:srcRect/>
+          <a:stretch>
+            <a:fillRect/>
+          </a:stretch>
+        </p:blipFill>
+        <p:spPr bwMode="auto">
+          <a:xfrm>
+            <a:off x="855919" y="1777533"/>
+            <a:ext cx="824436" cy="497981"/>
+          </a:xfrm>
+          <a:prstGeom prst="rect">
+            <a:avLst/>
+          </a:prstGeom>
+          <a:noFill/>
+          <a:extLst>
+            <a:ext uri="{909E8E84-426E-40DD-AFC4-6F175D3DCCD1}">
+              <a14:hiddenFill xmlns:a14="http://schemas.microsoft.com/office/drawing/2010/main">
+                <a:solidFill>
+                  <a:srgbClr val="FFFFFF"/>
+                </a:solidFill>
+              </a14:hiddenFill>
+            </a:ext>
+          </a:extLst>
+        </p:spPr>
+      </p:pic>
+      <p:cxnSp>
+        <p:nvCxnSpPr>
+          <p:cNvPr id="12" name="Straight Arrow Connector 11">
+            <a:extLst>
+              <a:ext uri="{FF2B5EF4-FFF2-40B4-BE49-F238E27FC236}">
+                <a16:creationId xmlns:a16="http://schemas.microsoft.com/office/drawing/2014/main" id="{57346DF7-9453-418A-99AA-E02B1217B206}"/>
+              </a:ext>
+            </a:extLst>
+          </p:cNvPr>
+          <p:cNvCxnSpPr>
+            <a:cxnSpLocks/>
+            <a:stCxn id="1028" idx="3"/>
+          </p:cNvCxnSpPr>
+          <p:nvPr/>
+        </p:nvCxnSpPr>
+        <p:spPr>
+          <a:xfrm>
+            <a:off x="1680355" y="2026524"/>
+            <a:ext cx="1827400" cy="30877"/>
+          </a:xfrm>
+          <a:prstGeom prst="straightConnector1">
+            <a:avLst/>
+          </a:prstGeom>
+          <a:ln>
+            <a:tailEnd type="triangle"/>
+          </a:ln>
+        </p:spPr>
+        <p:style>
+          <a:lnRef idx="1">
+            <a:schemeClr val="dk1"/>
+          </a:lnRef>
+          <a:fillRef idx="0">
+            <a:schemeClr val="dk1"/>
+          </a:fillRef>
+          <a:effectRef idx="0">
+            <a:schemeClr val="dk1"/>
+          </a:effectRef>
+          <a:fontRef idx="minor">
+            <a:schemeClr val="tx1"/>
+          </a:fontRef>
+        </p:style>
+      </p:cxnSp>
+      <p:sp>
+        <p:nvSpPr>
+          <p:cNvPr id="13" name="Rectangle 12">
+            <a:extLst>
+              <a:ext uri="{FF2B5EF4-FFF2-40B4-BE49-F238E27FC236}">
+                <a16:creationId xmlns:a16="http://schemas.microsoft.com/office/drawing/2014/main" id="{85A94A38-930B-469A-A62C-80375EFB14ED}"/>
+              </a:ext>
+            </a:extLst>
+          </p:cNvPr>
+          <p:cNvSpPr/>
+          <p:nvPr/>
+        </p:nvSpPr>
+        <p:spPr>
+          <a:xfrm>
+            <a:off x="3507755" y="1628783"/>
+            <a:ext cx="2062535" cy="973902"/>
+          </a:xfrm>
+          <a:prstGeom prst="rect">
+            <a:avLst/>
+          </a:prstGeom>
+        </p:spPr>
+        <p:style>
+          <a:lnRef idx="2">
+            <a:schemeClr val="accent1">
+              <a:shade val="50000"/>
+            </a:schemeClr>
+          </a:lnRef>
+          <a:fillRef idx="1">
+            <a:schemeClr val="accent1"/>
+          </a:fillRef>
+          <a:effectRef idx="0">
+            <a:schemeClr val="accent1"/>
+          </a:effectRef>
+          <a:fontRef idx="minor">
+            <a:schemeClr val="lt1"/>
+          </a:fontRef>
+        </p:style>
+        <p:txBody>
+          <a:bodyPr rtlCol="0" anchor="ctr"/>
+          <a:lstStyle/>
+          <a:p>
+            <a:pPr algn="ctr"/>
+            <a:r>
+              <a:rPr lang="en-US" dirty="0"/>
+              <a:t>Generate Dynamic HTML contents</a:t>
+            </a:r>
+          </a:p>
+        </p:txBody>
+      </p:sp>
+      <p:sp>
+        <p:nvSpPr>
+          <p:cNvPr id="15" name="TextBox 14">
+            <a:extLst>
+              <a:ext uri="{FF2B5EF4-FFF2-40B4-BE49-F238E27FC236}">
+                <a16:creationId xmlns:a16="http://schemas.microsoft.com/office/drawing/2014/main" id="{4D84D108-FA45-4DBC-BA35-88060F5F87C1}"/>
+              </a:ext>
+            </a:extLst>
+          </p:cNvPr>
+          <p:cNvSpPr txBox="1"/>
+          <p:nvPr/>
+        </p:nvSpPr>
+        <p:spPr>
+          <a:xfrm>
+            <a:off x="1336892" y="1395631"/>
+            <a:ext cx="1477377" cy="646331"/>
+          </a:xfrm>
+          <a:prstGeom prst="rect">
+            <a:avLst/>
+          </a:prstGeom>
+          <a:noFill/>
+        </p:spPr>
+        <p:txBody>
+          <a:bodyPr wrap="square" rtlCol="0">
+            <a:spAutoFit/>
+          </a:bodyPr>
+          <a:lstStyle/>
+          <a:p>
+            <a:pPr algn="ctr"/>
+            <a:r>
+              <a:rPr lang="en-US" dirty="0"/>
+              <a:t>Generated Code</a:t>
+            </a:r>
+          </a:p>
+        </p:txBody>
+      </p:sp>
+      <p:sp>
+        <p:nvSpPr>
+          <p:cNvPr id="19" name="Flowchart: Magnetic Disk 18">
+            <a:extLst>
+              <a:ext uri="{FF2B5EF4-FFF2-40B4-BE49-F238E27FC236}">
+                <a16:creationId xmlns:a16="http://schemas.microsoft.com/office/drawing/2014/main" id="{0A34F646-0136-4DCB-9440-7FB55A846EF5}"/>
+              </a:ext>
+            </a:extLst>
+          </p:cNvPr>
+          <p:cNvSpPr/>
+          <p:nvPr/>
+        </p:nvSpPr>
+        <p:spPr>
+          <a:xfrm>
+            <a:off x="10496025" y="4847518"/>
+            <a:ext cx="1543574" cy="763398"/>
+          </a:xfrm>
+          <a:prstGeom prst="flowChartMagneticDisk">
+            <a:avLst/>
+          </a:prstGeom>
+        </p:spPr>
+        <p:style>
+          <a:lnRef idx="2">
+            <a:schemeClr val="accent1">
+              <a:shade val="50000"/>
+            </a:schemeClr>
+          </a:lnRef>
+          <a:fillRef idx="1">
+            <a:schemeClr val="accent1"/>
+          </a:fillRef>
+          <a:effectRef idx="0">
+            <a:schemeClr val="accent1"/>
+          </a:effectRef>
+          <a:fontRef idx="minor">
+            <a:schemeClr val="lt1"/>
+          </a:fontRef>
+        </p:style>
+        <p:txBody>
+          <a:bodyPr rtlCol="0" anchor="ctr"/>
+          <a:lstStyle/>
+          <a:p>
+            <a:pPr algn="ctr"/>
+            <a:r>
+              <a:rPr lang="en-US" dirty="0"/>
+              <a:t>DB</a:t>
+            </a:r>
+          </a:p>
+        </p:txBody>
+      </p:sp>
+      <p:sp>
+        <p:nvSpPr>
+          <p:cNvPr id="21" name="Rectangle 20">
+            <a:extLst>
+              <a:ext uri="{FF2B5EF4-FFF2-40B4-BE49-F238E27FC236}">
+                <a16:creationId xmlns:a16="http://schemas.microsoft.com/office/drawing/2014/main" id="{3DFD66B1-5355-4848-BC3F-6D7384C43192}"/>
+              </a:ext>
+            </a:extLst>
+          </p:cNvPr>
+          <p:cNvSpPr/>
+          <p:nvPr/>
+        </p:nvSpPr>
+        <p:spPr>
+          <a:xfrm>
+            <a:off x="2594055" y="3241709"/>
+            <a:ext cx="7021585" cy="2790609"/>
+          </a:xfrm>
+          <a:prstGeom prst="rect">
+            <a:avLst/>
+          </a:prstGeom>
+        </p:spPr>
+        <p:style>
+          <a:lnRef idx="2">
+            <a:schemeClr val="accent1">
+              <a:shade val="50000"/>
+            </a:schemeClr>
+          </a:lnRef>
+          <a:fillRef idx="1">
+            <a:schemeClr val="accent1"/>
+          </a:fillRef>
+          <a:effectRef idx="0">
+            <a:schemeClr val="accent1"/>
+          </a:effectRef>
+          <a:fontRef idx="minor">
+            <a:schemeClr val="lt1"/>
+          </a:fontRef>
+        </p:style>
+        <p:txBody>
+          <a:bodyPr rtlCol="0" anchor="t"/>
+          <a:lstStyle/>
+          <a:p>
+            <a:pPr algn="ctr"/>
+            <a:r>
+              <a:rPr lang="en-US" dirty="0"/>
+              <a:t>Application</a:t>
+            </a:r>
+          </a:p>
+        </p:txBody>
+      </p:sp>
+      <p:sp>
+        <p:nvSpPr>
+          <p:cNvPr id="25" name="Arrow: Right 24">
+            <a:extLst>
+              <a:ext uri="{FF2B5EF4-FFF2-40B4-BE49-F238E27FC236}">
+                <a16:creationId xmlns:a16="http://schemas.microsoft.com/office/drawing/2014/main" id="{9DD6B893-20E6-44B2-A6F9-D0EE1FF7B727}"/>
+              </a:ext>
+            </a:extLst>
+          </p:cNvPr>
+          <p:cNvSpPr/>
+          <p:nvPr/>
+        </p:nvSpPr>
+        <p:spPr>
+          <a:xfrm>
+            <a:off x="9104852" y="4999918"/>
+            <a:ext cx="1391173" cy="436227"/>
+          </a:xfrm>
+          <a:prstGeom prst="rightArrow">
+            <a:avLst/>
+          </a:prstGeom>
+        </p:spPr>
+        <p:style>
+          <a:lnRef idx="2">
+            <a:schemeClr val="accent1">
+              <a:shade val="50000"/>
+            </a:schemeClr>
+          </a:lnRef>
+          <a:fillRef idx="1">
+            <a:schemeClr val="accent1"/>
+          </a:fillRef>
+          <a:effectRef idx="0">
+            <a:schemeClr val="accent1"/>
+          </a:effectRef>
+          <a:fontRef idx="minor">
+            <a:schemeClr val="lt1"/>
+          </a:fontRef>
+        </p:style>
+        <p:txBody>
+          <a:bodyPr rtlCol="0" anchor="ctr"/>
+          <a:lstStyle/>
+          <a:p>
+            <a:pPr algn="ctr"/>
+            <a:endParaRPr lang="en-US"/>
+          </a:p>
+        </p:txBody>
+      </p:sp>
+      <p:pic>
+        <p:nvPicPr>
+          <p:cNvPr id="26" name="Picture 2" descr="Black Circle 712*980 transprent Png Free Download - Angle, Area, Symbol. -  CleanPNG / KissPNG">
+            <a:extLst>
+              <a:ext uri="{FF2B5EF4-FFF2-40B4-BE49-F238E27FC236}">
+                <a16:creationId xmlns:a16="http://schemas.microsoft.com/office/drawing/2014/main" id="{A4A4EB28-B864-439E-8EE1-3BD4A11B01CB}"/>
+              </a:ext>
+            </a:extLst>
+          </p:cNvPr>
+          <p:cNvPicPr>
+            <a:picLocks noChangeAspect="1" noChangeArrowheads="1"/>
+          </p:cNvPicPr>
+          <p:nvPr/>
+        </p:nvPicPr>
+        <p:blipFill>
+          <a:blip r:embed="rId2">
+            <a:extLst>
+              <a:ext uri="{28A0092B-C50C-407E-A947-70E740481C1C}">
+                <a14:useLocalDpi xmlns:a14="http://schemas.microsoft.com/office/drawing/2010/main" val="0"/>
+              </a:ext>
+            </a:extLst>
+          </a:blip>
+          <a:srcRect/>
+          <a:stretch>
+            <a:fillRect/>
+          </a:stretch>
+        </p:blipFill>
+        <p:spPr bwMode="auto">
+          <a:xfrm>
+            <a:off x="304562" y="4325319"/>
+            <a:ext cx="527107" cy="725807"/>
+          </a:xfrm>
+          <a:prstGeom prst="rect">
+            <a:avLst/>
+          </a:prstGeom>
+          <a:noFill/>
+          <a:extLst>
+            <a:ext uri="{909E8E84-426E-40DD-AFC4-6F175D3DCCD1}">
+              <a14:hiddenFill xmlns:a14="http://schemas.microsoft.com/office/drawing/2010/main">
+                <a:solidFill>
+                  <a:srgbClr val="FFFFFF"/>
+                </a:solidFill>
+              </a14:hiddenFill>
+            </a:ext>
+          </a:extLst>
+        </p:spPr>
+      </p:pic>
+      <p:pic>
+        <p:nvPicPr>
+          <p:cNvPr id="27" name="Picture 4" descr="Google Chrome – Download the fast, secure browser from Google">
+            <a:extLst>
+              <a:ext uri="{FF2B5EF4-FFF2-40B4-BE49-F238E27FC236}">
+                <a16:creationId xmlns:a16="http://schemas.microsoft.com/office/drawing/2014/main" id="{09D8B976-D14D-4852-80A3-FE08E1C998A2}"/>
+              </a:ext>
+            </a:extLst>
+          </p:cNvPr>
+          <p:cNvPicPr>
+            <a:picLocks noChangeAspect="1" noChangeArrowheads="1"/>
+          </p:cNvPicPr>
+          <p:nvPr/>
+        </p:nvPicPr>
+        <p:blipFill>
+          <a:blip r:embed="rId3">
+            <a:extLst>
+              <a:ext uri="{28A0092B-C50C-407E-A947-70E740481C1C}">
+                <a14:useLocalDpi xmlns:a14="http://schemas.microsoft.com/office/drawing/2010/main" val="0"/>
+              </a:ext>
+            </a:extLst>
+          </a:blip>
+          <a:srcRect/>
+          <a:stretch>
+            <a:fillRect/>
+          </a:stretch>
+        </p:blipFill>
+        <p:spPr bwMode="auto">
+          <a:xfrm>
+            <a:off x="889234" y="4474069"/>
+            <a:ext cx="824436" cy="497981"/>
+          </a:xfrm>
+          <a:prstGeom prst="rect">
+            <a:avLst/>
+          </a:prstGeom>
+          <a:noFill/>
+          <a:extLst>
+            <a:ext uri="{909E8E84-426E-40DD-AFC4-6F175D3DCCD1}">
+              <a14:hiddenFill xmlns:a14="http://schemas.microsoft.com/office/drawing/2010/main">
+                <a:solidFill>
+                  <a:srgbClr val="FFFFFF"/>
+                </a:solidFill>
+              </a14:hiddenFill>
+            </a:ext>
+          </a:extLst>
+        </p:spPr>
+      </p:pic>
+      <p:cxnSp>
+        <p:nvCxnSpPr>
+          <p:cNvPr id="28" name="Straight Arrow Connector 27">
+            <a:extLst>
+              <a:ext uri="{FF2B5EF4-FFF2-40B4-BE49-F238E27FC236}">
+                <a16:creationId xmlns:a16="http://schemas.microsoft.com/office/drawing/2014/main" id="{E1957F09-E43C-4917-BBAA-12ADC1B3C931}"/>
+              </a:ext>
+            </a:extLst>
+          </p:cNvPr>
+          <p:cNvCxnSpPr>
+            <a:cxnSpLocks/>
+            <a:stCxn id="27" idx="3"/>
+          </p:cNvCxnSpPr>
+          <p:nvPr/>
+        </p:nvCxnSpPr>
+        <p:spPr>
+          <a:xfrm>
+            <a:off x="1713670" y="4723060"/>
+            <a:ext cx="1827400" cy="30877"/>
+          </a:xfrm>
+          <a:prstGeom prst="straightConnector1">
+            <a:avLst/>
+          </a:prstGeom>
+          <a:ln>
+            <a:tailEnd type="triangle"/>
+          </a:ln>
+        </p:spPr>
+        <p:style>
+          <a:lnRef idx="1">
+            <a:schemeClr val="dk1"/>
+          </a:lnRef>
+          <a:fillRef idx="0">
+            <a:schemeClr val="dk1"/>
+          </a:fillRef>
+          <a:effectRef idx="0">
+            <a:schemeClr val="dk1"/>
+          </a:effectRef>
+          <a:fontRef idx="minor">
+            <a:schemeClr val="tx1"/>
+          </a:fontRef>
+        </p:style>
+      </p:cxnSp>
+      <p:sp>
+        <p:nvSpPr>
+          <p:cNvPr id="29" name="Rectangle 28">
+            <a:extLst>
+              <a:ext uri="{FF2B5EF4-FFF2-40B4-BE49-F238E27FC236}">
+                <a16:creationId xmlns:a16="http://schemas.microsoft.com/office/drawing/2014/main" id="{D183678B-538B-46F0-808E-4FB7898B6C5A}"/>
+              </a:ext>
+            </a:extLst>
+          </p:cNvPr>
+          <p:cNvSpPr/>
+          <p:nvPr/>
+        </p:nvSpPr>
+        <p:spPr>
+          <a:xfrm>
+            <a:off x="3416874" y="3663111"/>
+            <a:ext cx="5687978" cy="2265807"/>
+          </a:xfrm>
+          <a:prstGeom prst="rect">
+            <a:avLst/>
+          </a:prstGeom>
+        </p:spPr>
+        <p:style>
+          <a:lnRef idx="2">
+            <a:schemeClr val="accent1">
+              <a:shade val="50000"/>
+            </a:schemeClr>
+          </a:lnRef>
+          <a:fillRef idx="1">
+            <a:schemeClr val="accent1"/>
+          </a:fillRef>
+          <a:effectRef idx="0">
+            <a:schemeClr val="accent1"/>
+          </a:effectRef>
+          <a:fontRef idx="minor">
+            <a:schemeClr val="lt1"/>
+          </a:fontRef>
+        </p:style>
+        <p:txBody>
+          <a:bodyPr rtlCol="0" anchor="ctr"/>
+          <a:lstStyle/>
+          <a:p>
+            <a:pPr algn="ctr"/>
+            <a:r>
+              <a:rPr lang="en-US" dirty="0"/>
+              <a:t>Generate Dynamic HTML contents(</a:t>
+            </a:r>
+            <a:r>
+              <a:rPr lang="en-US" dirty="0" err="1"/>
+              <a:t>e.g</a:t>
+            </a:r>
+            <a:r>
+              <a:rPr lang="en-US" dirty="0"/>
+              <a:t>, PHP)</a:t>
+            </a:r>
+          </a:p>
+        </p:txBody>
+      </p:sp>
+      <p:sp>
+        <p:nvSpPr>
+          <p:cNvPr id="30" name="TextBox 29">
+            <a:extLst>
+              <a:ext uri="{FF2B5EF4-FFF2-40B4-BE49-F238E27FC236}">
+                <a16:creationId xmlns:a16="http://schemas.microsoft.com/office/drawing/2014/main" id="{A86A38BF-FD02-42EC-BAF4-7A06DEC2D68E}"/>
+              </a:ext>
+            </a:extLst>
+          </p:cNvPr>
+          <p:cNvSpPr txBox="1"/>
+          <p:nvPr/>
+        </p:nvSpPr>
+        <p:spPr>
+          <a:xfrm>
+            <a:off x="1357392" y="4092167"/>
+            <a:ext cx="1477377" cy="646331"/>
+          </a:xfrm>
+          <a:prstGeom prst="rect">
+            <a:avLst/>
+          </a:prstGeom>
+          <a:noFill/>
+        </p:spPr>
+        <p:txBody>
+          <a:bodyPr wrap="square" rtlCol="0">
+            <a:spAutoFit/>
+          </a:bodyPr>
+          <a:lstStyle/>
+          <a:p>
+            <a:pPr algn="ctr"/>
+            <a:r>
+              <a:rPr lang="en-US" dirty="0"/>
+              <a:t>Generated Code</a:t>
+            </a:r>
+          </a:p>
+        </p:txBody>
+      </p:sp>
+    </p:spTree>
+    <p:extLst>
+      <p:ext uri="{BB962C8B-B14F-4D97-AF65-F5344CB8AC3E}">
+        <p14:creationId xmlns:p14="http://schemas.microsoft.com/office/powerpoint/2010/main" val="1447448056"/>
+      </p:ext>
+    </p:extLst>
+  </p:cSld>
+  <p:clrMapOvr>
+    <a:masterClrMapping/>
+  </p:clrMapOvr>
+</p:sld>
+</file>
+
+<file path=ppt/slides/slide5.xml><?xml version="1.0" encoding="utf-8"?>
+<p:sld xmlns:a="http://schemas.openxmlformats.org/drawingml/2006/main" xmlns:r="http://schemas.openxmlformats.org/officeDocument/2006/relationships" xmlns:p="http://schemas.openxmlformats.org/presentationml/2006/main">
+  <p:cSld>
+    <p:spTree>
+      <p:nvGrpSpPr>
+        <p:cNvPr id="1" name=""/>
+        <p:cNvGrpSpPr/>
+        <p:nvPr/>
+      </p:nvGrpSpPr>
+      <p:grpSpPr>
+        <a:xfrm>
+          <a:off x="0" y="0"/>
+          <a:ext cx="0" cy="0"/>
+          <a:chOff x="0" y="0"/>
+          <a:chExt cx="0" cy="0"/>
+        </a:xfrm>
+      </p:grpSpPr>
+    </p:spTree>
+    <p:extLst>
+      <p:ext uri="{BB962C8B-B14F-4D97-AF65-F5344CB8AC3E}">
+        <p14:creationId xmlns:p14="http://schemas.microsoft.com/office/powerpoint/2010/main" val="3964655443"/>
       </p:ext>
     </p:extLst>
   </p:cSld>
